--- a/document/Using Java 8’s Optional.pptx
+++ b/document/Using Java 8’s Optional.pptx
@@ -212,7 +212,7 @@
           <a:p>
             <a:fld id="{9F09733D-69F8-45CE-987F-1E3A67C77C5D}" type="datetimeFigureOut">
               <a:rPr lang="en-US" smtClean="0"/>
-              <a:t>12/2/2015</a:t>
+              <a:t>1/30/2016</a:t>
             </a:fld>
             <a:endParaRPr lang="en-US"/>
           </a:p>
@@ -377,7 +377,7 @@
           <a:p>
             <a:fld id="{4BBDC3DB-9C0B-4EEA-BE0C-C823D6258BF2}" type="datetimeFigureOut">
               <a:rPr lang="en-US" smtClean="0"/>
-              <a:t>12/2/2015</a:t>
+              <a:t>1/30/2016</a:t>
             </a:fld>
             <a:endParaRPr lang="en-US"/>
           </a:p>
@@ -688,7 +688,7 @@
             <a:fld id="{349BF3EA-1A78-4F07-BDC0-C8A1BD461199}" type="datetimeFigureOut">
               <a:rPr lang="en-US" smtClean="0"/>
               <a:pPr/>
-              <a:t>12/2/2015</a:t>
+              <a:t>1/30/2016</a:t>
             </a:fld>
             <a:endParaRPr lang="en-US"/>
           </a:p>
@@ -969,7 +969,7 @@
             <a:fld id="{349BF3EA-1A78-4F07-BDC0-C8A1BD461199}" type="datetimeFigureOut">
               <a:rPr lang="en-US" smtClean="0"/>
               <a:pPr/>
-              <a:t>12/2/2015</a:t>
+              <a:t>1/30/2016</a:t>
             </a:fld>
             <a:endParaRPr lang="en-US"/>
           </a:p>
@@ -1165,7 +1165,7 @@
             <a:fld id="{349BF3EA-1A78-4F07-BDC0-C8A1BD461199}" type="datetimeFigureOut">
               <a:rPr lang="en-US" smtClean="0"/>
               <a:pPr/>
-              <a:t>12/2/2015</a:t>
+              <a:t>1/30/2016</a:t>
             </a:fld>
             <a:endParaRPr lang="en-US"/>
           </a:p>
@@ -1362,7 +1362,7 @@
           <a:p>
             <a:fld id="{349BF3EA-1A78-4F07-BDC0-C8A1BD461199}" type="datetimeFigureOut">
               <a:rPr lang="en-US" smtClean="0"/>
-              <a:t>12/2/2015</a:t>
+              <a:t>1/30/2016</a:t>
             </a:fld>
             <a:endParaRPr lang="en-US"/>
           </a:p>
@@ -1550,7 +1550,7 @@
           <a:p>
             <a:fld id="{349BF3EA-1A78-4F07-BDC0-C8A1BD461199}" type="datetimeFigureOut">
               <a:rPr lang="en-US" smtClean="0"/>
-              <a:t>12/2/2015</a:t>
+              <a:t>1/30/2016</a:t>
             </a:fld>
             <a:endParaRPr lang="en-US"/>
           </a:p>
@@ -1808,7 +1808,7 @@
             <a:fld id="{349BF3EA-1A78-4F07-BDC0-C8A1BD461199}" type="datetimeFigureOut">
               <a:rPr lang="en-US" smtClean="0"/>
               <a:pPr/>
-              <a:t>12/2/2015</a:t>
+              <a:t>1/30/2016</a:t>
             </a:fld>
             <a:endParaRPr lang="en-US"/>
           </a:p>
@@ -2089,7 +2089,7 @@
           <a:p>
             <a:fld id="{349BF3EA-1A78-4F07-BDC0-C8A1BD461199}" type="datetimeFigureOut">
               <a:rPr lang="en-US" smtClean="0"/>
-              <a:t>12/2/2015</a:t>
+              <a:t>1/30/2016</a:t>
             </a:fld>
             <a:endParaRPr lang="en-US"/>
           </a:p>
@@ -2490,7 +2490,7 @@
           <a:p>
             <a:fld id="{349BF3EA-1A78-4F07-BDC0-C8A1BD461199}" type="datetimeFigureOut">
               <a:rPr lang="en-US" smtClean="0"/>
-              <a:t>12/2/2015</a:t>
+              <a:t>1/30/2016</a:t>
             </a:fld>
             <a:endParaRPr lang="en-US"/>
           </a:p>
@@ -2585,7 +2585,7 @@
           <a:p>
             <a:fld id="{349BF3EA-1A78-4F07-BDC0-C8A1BD461199}" type="datetimeFigureOut">
               <a:rPr lang="en-US" smtClean="0"/>
-              <a:t>12/2/2015</a:t>
+              <a:t>1/30/2016</a:t>
             </a:fld>
             <a:endParaRPr lang="en-US"/>
           </a:p>
@@ -2680,7 +2680,7 @@
           <a:p>
             <a:fld id="{349BF3EA-1A78-4F07-BDC0-C8A1BD461199}" type="datetimeFigureOut">
               <a:rPr lang="en-US" smtClean="0"/>
-              <a:t>12/2/2015</a:t>
+              <a:t>1/30/2016</a:t>
             </a:fld>
             <a:endParaRPr lang="en-US"/>
           </a:p>
@@ -2982,7 +2982,7 @@
             <a:fld id="{349BF3EA-1A78-4F07-BDC0-C8A1BD461199}" type="datetimeFigureOut">
               <a:rPr lang="en-US" smtClean="0"/>
               <a:pPr/>
-              <a:t>12/2/2015</a:t>
+              <a:t>1/30/2016</a:t>
             </a:fld>
             <a:endParaRPr lang="en-US"/>
           </a:p>
@@ -3300,7 +3300,7 @@
             <a:fld id="{349BF3EA-1A78-4F07-BDC0-C8A1BD461199}" type="datetimeFigureOut">
               <a:rPr lang="en-US" smtClean="0"/>
               <a:pPr/>
-              <a:t>12/2/2015</a:t>
+              <a:t>1/30/2016</a:t>
             </a:fld>
             <a:endParaRPr lang="en-US"/>
           </a:p>
@@ -38689,7 +38689,7 @@
         </p:nvSpPr>
         <p:spPr>
           <a:xfrm>
-            <a:off x="1013254" y="1901968"/>
+            <a:off x="1013254" y="1837534"/>
             <a:ext cx="3253946" cy="307777"/>
           </a:xfrm>
           <a:prstGeom prst="rect">
